--- a/res/Presentation1.pptx
+++ b/res/Presentation1.pptx
@@ -104,6 +104,11 @@
       </a:defRPr>
     </a:lvl9pPr>
   </p:defaultTextStyle>
+  <p:extLst>
+    <p:ext uri="{EFAFB233-063F-42B5-8137-9DF3F51BA10A}">
+      <p15:sldGuideLst xmlns:p15="http://schemas.microsoft.com/office/powerpoint/2012/main"/>
+    </p:ext>
+  </p:extLst>
 </p:presentation>
 </file>
 
@@ -238,7 +243,7 @@
           <a:p>
             <a:fld id="{21FFB5AC-C239-4594-89F9-6B64906E7284}" type="datetimeFigureOut">
               <a:rPr lang="en-US" smtClean="0"/>
-              <a:t>7/29/2020</a:t>
+              <a:t>1/3/2022</a:t>
             </a:fld>
             <a:endParaRPr lang="en-US"/>
           </a:p>
@@ -408,7 +413,7 @@
           <a:p>
             <a:fld id="{21FFB5AC-C239-4594-89F9-6B64906E7284}" type="datetimeFigureOut">
               <a:rPr lang="en-US" smtClean="0"/>
-              <a:t>7/29/2020</a:t>
+              <a:t>1/3/2022</a:t>
             </a:fld>
             <a:endParaRPr lang="en-US"/>
           </a:p>
@@ -588,7 +593,7 @@
           <a:p>
             <a:fld id="{21FFB5AC-C239-4594-89F9-6B64906E7284}" type="datetimeFigureOut">
               <a:rPr lang="en-US" smtClean="0"/>
-              <a:t>7/29/2020</a:t>
+              <a:t>1/3/2022</a:t>
             </a:fld>
             <a:endParaRPr lang="en-US"/>
           </a:p>
@@ -758,7 +763,7 @@
           <a:p>
             <a:fld id="{21FFB5AC-C239-4594-89F9-6B64906E7284}" type="datetimeFigureOut">
               <a:rPr lang="en-US" smtClean="0"/>
-              <a:t>7/29/2020</a:t>
+              <a:t>1/3/2022</a:t>
             </a:fld>
             <a:endParaRPr lang="en-US"/>
           </a:p>
@@ -1004,7 +1009,7 @@
           <a:p>
             <a:fld id="{21FFB5AC-C239-4594-89F9-6B64906E7284}" type="datetimeFigureOut">
               <a:rPr lang="en-US" smtClean="0"/>
-              <a:t>7/29/2020</a:t>
+              <a:t>1/3/2022</a:t>
             </a:fld>
             <a:endParaRPr lang="en-US"/>
           </a:p>
@@ -1236,7 +1241,7 @@
           <a:p>
             <a:fld id="{21FFB5AC-C239-4594-89F9-6B64906E7284}" type="datetimeFigureOut">
               <a:rPr lang="en-US" smtClean="0"/>
-              <a:t>7/29/2020</a:t>
+              <a:t>1/3/2022</a:t>
             </a:fld>
             <a:endParaRPr lang="en-US"/>
           </a:p>
@@ -1603,7 +1608,7 @@
           <a:p>
             <a:fld id="{21FFB5AC-C239-4594-89F9-6B64906E7284}" type="datetimeFigureOut">
               <a:rPr lang="en-US" smtClean="0"/>
-              <a:t>7/29/2020</a:t>
+              <a:t>1/3/2022</a:t>
             </a:fld>
             <a:endParaRPr lang="en-US"/>
           </a:p>
@@ -1721,7 +1726,7 @@
           <a:p>
             <a:fld id="{21FFB5AC-C239-4594-89F9-6B64906E7284}" type="datetimeFigureOut">
               <a:rPr lang="en-US" smtClean="0"/>
-              <a:t>7/29/2020</a:t>
+              <a:t>1/3/2022</a:t>
             </a:fld>
             <a:endParaRPr lang="en-US"/>
           </a:p>
@@ -1816,7 +1821,7 @@
           <a:p>
             <a:fld id="{21FFB5AC-C239-4594-89F9-6B64906E7284}" type="datetimeFigureOut">
               <a:rPr lang="en-US" smtClean="0"/>
-              <a:t>7/29/2020</a:t>
+              <a:t>1/3/2022</a:t>
             </a:fld>
             <a:endParaRPr lang="en-US"/>
           </a:p>
@@ -2093,7 +2098,7 @@
           <a:p>
             <a:fld id="{21FFB5AC-C239-4594-89F9-6B64906E7284}" type="datetimeFigureOut">
               <a:rPr lang="en-US" smtClean="0"/>
-              <a:t>7/29/2020</a:t>
+              <a:t>1/3/2022</a:t>
             </a:fld>
             <a:endParaRPr lang="en-US"/>
           </a:p>
@@ -2350,7 +2355,7 @@
           <a:p>
             <a:fld id="{21FFB5AC-C239-4594-89F9-6B64906E7284}" type="datetimeFigureOut">
               <a:rPr lang="en-US" smtClean="0"/>
-              <a:t>7/29/2020</a:t>
+              <a:t>1/3/2022</a:t>
             </a:fld>
             <a:endParaRPr lang="en-US"/>
           </a:p>
@@ -2563,7 +2568,7 @@
           <a:p>
             <a:fld id="{21FFB5AC-C239-4594-89F9-6B64906E7284}" type="datetimeFigureOut">
               <a:rPr lang="en-US" smtClean="0"/>
-              <a:t>7/29/2020</a:t>
+              <a:t>1/3/2022</a:t>
             </a:fld>
             <a:endParaRPr lang="en-US"/>
           </a:p>
@@ -3144,7 +3149,7 @@
         </p:blipFill>
         <p:spPr>
           <a:xfrm>
-            <a:off x="1562557" y="2365477"/>
+            <a:off x="1562557" y="2371054"/>
             <a:ext cx="2006588" cy="630327"/>
           </a:xfrm>
           <a:prstGeom prst="rect">
@@ -3680,7 +3685,7 @@
         <p:spPr>
           <a:xfrm>
             <a:off x="325575" y="1433183"/>
-            <a:ext cx="5512579" cy="830997"/>
+            <a:ext cx="4036700" cy="830997"/>
           </a:xfrm>
           <a:prstGeom prst="rect">
             <a:avLst/>
@@ -3702,7 +3707,7 @@
                 <a:ea typeface="Microsoft JhengHei UI" panose="020B0604030504040204" pitchFamily="34" charset="-120"/>
                 <a:cs typeface="Segoe UI" panose="020B0502040204020203" pitchFamily="34" charset="0"/>
               </a:rPr>
-              <a:t>undergraduate computer engineering student</a:t>
+              <a:t>undergraduate computer engineer</a:t>
             </a:r>
           </a:p>
         </p:txBody>
